--- a/2023/5月/11-05-2023.pptx
+++ b/2023/5月/11-05-2023.pptx
@@ -327,7 +327,8 @@
           <a:p>
             <a:fld id="{83409B2E-0D28-4806-A3F0-22C452D915F6}" type="datetimeFigureOut">
               <a:rPr lang="en-US" smtClean="0"/>
-              <a:t>5/9/2023</a:t>
+              <a:pPr/>
+              <a:t>5/11/2023</a:t>
             </a:fld>
             <a:endParaRPr lang="en-US"/>
           </a:p>
@@ -369,6 +370,7 @@
           <a:p>
             <a:fld id="{2993E540-44F6-49A4-992E-2A40635B547F}" type="slidenum">
               <a:rPr lang="en-US" smtClean="0"/>
+              <a:pPr/>
               <a:t>‹#›</a:t>
             </a:fld>
             <a:endParaRPr lang="en-US"/>
@@ -378,7 +380,7 @@
     </p:spTree>
     <p:extLst>
       <p:ext uri="{BB962C8B-B14F-4D97-AF65-F5344CB8AC3E}">
-        <p14:creationId xmlns:p14="http://schemas.microsoft.com/office/powerpoint/2010/main" val="2373378767"/>
+        <p14:creationId xmlns:p14="http://schemas.microsoft.com/office/powerpoint/2010/main" xmlns="" val="2373378767"/>
       </p:ext>
     </p:extLst>
   </p:cSld>
@@ -497,7 +499,8 @@
           <a:p>
             <a:fld id="{83409B2E-0D28-4806-A3F0-22C452D915F6}" type="datetimeFigureOut">
               <a:rPr lang="en-US" smtClean="0"/>
-              <a:t>5/9/2023</a:t>
+              <a:pPr/>
+              <a:t>5/11/2023</a:t>
             </a:fld>
             <a:endParaRPr lang="en-US"/>
           </a:p>
@@ -539,6 +542,7 @@
           <a:p>
             <a:fld id="{2993E540-44F6-49A4-992E-2A40635B547F}" type="slidenum">
               <a:rPr lang="en-US" smtClean="0"/>
+              <a:pPr/>
               <a:t>‹#›</a:t>
             </a:fld>
             <a:endParaRPr lang="en-US"/>
@@ -548,7 +552,7 @@
     </p:spTree>
     <p:extLst>
       <p:ext uri="{BB962C8B-B14F-4D97-AF65-F5344CB8AC3E}">
-        <p14:creationId xmlns:p14="http://schemas.microsoft.com/office/powerpoint/2010/main" val="2115092163"/>
+        <p14:creationId xmlns:p14="http://schemas.microsoft.com/office/powerpoint/2010/main" xmlns="" val="2115092163"/>
       </p:ext>
     </p:extLst>
   </p:cSld>
@@ -677,7 +681,8 @@
           <a:p>
             <a:fld id="{83409B2E-0D28-4806-A3F0-22C452D915F6}" type="datetimeFigureOut">
               <a:rPr lang="en-US" smtClean="0"/>
-              <a:t>5/9/2023</a:t>
+              <a:pPr/>
+              <a:t>5/11/2023</a:t>
             </a:fld>
             <a:endParaRPr lang="en-US"/>
           </a:p>
@@ -719,6 +724,7 @@
           <a:p>
             <a:fld id="{2993E540-44F6-49A4-992E-2A40635B547F}" type="slidenum">
               <a:rPr lang="en-US" smtClean="0"/>
+              <a:pPr/>
               <a:t>‹#›</a:t>
             </a:fld>
             <a:endParaRPr lang="en-US"/>
@@ -728,7 +734,7 @@
     </p:spTree>
     <p:extLst>
       <p:ext uri="{BB962C8B-B14F-4D97-AF65-F5344CB8AC3E}">
-        <p14:creationId xmlns:p14="http://schemas.microsoft.com/office/powerpoint/2010/main" val="374905699"/>
+        <p14:creationId xmlns:p14="http://schemas.microsoft.com/office/powerpoint/2010/main" xmlns="" val="374905699"/>
       </p:ext>
     </p:extLst>
   </p:cSld>
@@ -847,7 +853,8 @@
           <a:p>
             <a:fld id="{83409B2E-0D28-4806-A3F0-22C452D915F6}" type="datetimeFigureOut">
               <a:rPr lang="en-US" smtClean="0"/>
-              <a:t>5/9/2023</a:t>
+              <a:pPr/>
+              <a:t>5/11/2023</a:t>
             </a:fld>
             <a:endParaRPr lang="en-US"/>
           </a:p>
@@ -889,6 +896,7 @@
           <a:p>
             <a:fld id="{2993E540-44F6-49A4-992E-2A40635B547F}" type="slidenum">
               <a:rPr lang="en-US" smtClean="0"/>
+              <a:pPr/>
               <a:t>‹#›</a:t>
             </a:fld>
             <a:endParaRPr lang="en-US"/>
@@ -898,7 +906,7 @@
     </p:spTree>
     <p:extLst>
       <p:ext uri="{BB962C8B-B14F-4D97-AF65-F5344CB8AC3E}">
-        <p14:creationId xmlns:p14="http://schemas.microsoft.com/office/powerpoint/2010/main" val="1040402088"/>
+        <p14:creationId xmlns:p14="http://schemas.microsoft.com/office/powerpoint/2010/main" xmlns="" val="1040402088"/>
       </p:ext>
     </p:extLst>
   </p:cSld>
@@ -1093,7 +1101,8 @@
           <a:p>
             <a:fld id="{83409B2E-0D28-4806-A3F0-22C452D915F6}" type="datetimeFigureOut">
               <a:rPr lang="en-US" smtClean="0"/>
-              <a:t>5/9/2023</a:t>
+              <a:pPr/>
+              <a:t>5/11/2023</a:t>
             </a:fld>
             <a:endParaRPr lang="en-US"/>
           </a:p>
@@ -1135,6 +1144,7 @@
           <a:p>
             <a:fld id="{2993E540-44F6-49A4-992E-2A40635B547F}" type="slidenum">
               <a:rPr lang="en-US" smtClean="0"/>
+              <a:pPr/>
               <a:t>‹#›</a:t>
             </a:fld>
             <a:endParaRPr lang="en-US"/>
@@ -1144,7 +1154,7 @@
     </p:spTree>
     <p:extLst>
       <p:ext uri="{BB962C8B-B14F-4D97-AF65-F5344CB8AC3E}">
-        <p14:creationId xmlns:p14="http://schemas.microsoft.com/office/powerpoint/2010/main" val="4141534380"/>
+        <p14:creationId xmlns:p14="http://schemas.microsoft.com/office/powerpoint/2010/main" xmlns="" val="4141534380"/>
       </p:ext>
     </p:extLst>
   </p:cSld>
@@ -1381,7 +1391,8 @@
           <a:p>
             <a:fld id="{83409B2E-0D28-4806-A3F0-22C452D915F6}" type="datetimeFigureOut">
               <a:rPr lang="en-US" smtClean="0"/>
-              <a:t>5/9/2023</a:t>
+              <a:pPr/>
+              <a:t>5/11/2023</a:t>
             </a:fld>
             <a:endParaRPr lang="en-US"/>
           </a:p>
@@ -1423,6 +1434,7 @@
           <a:p>
             <a:fld id="{2993E540-44F6-49A4-992E-2A40635B547F}" type="slidenum">
               <a:rPr lang="en-US" smtClean="0"/>
+              <a:pPr/>
               <a:t>‹#›</a:t>
             </a:fld>
             <a:endParaRPr lang="en-US"/>
@@ -1432,7 +1444,7 @@
     </p:spTree>
     <p:extLst>
       <p:ext uri="{BB962C8B-B14F-4D97-AF65-F5344CB8AC3E}">
-        <p14:creationId xmlns:p14="http://schemas.microsoft.com/office/powerpoint/2010/main" val="966132655"/>
+        <p14:creationId xmlns:p14="http://schemas.microsoft.com/office/powerpoint/2010/main" xmlns="" val="966132655"/>
       </p:ext>
     </p:extLst>
   </p:cSld>
@@ -1803,7 +1815,8 @@
           <a:p>
             <a:fld id="{83409B2E-0D28-4806-A3F0-22C452D915F6}" type="datetimeFigureOut">
               <a:rPr lang="en-US" smtClean="0"/>
-              <a:t>5/9/2023</a:t>
+              <a:pPr/>
+              <a:t>5/11/2023</a:t>
             </a:fld>
             <a:endParaRPr lang="en-US"/>
           </a:p>
@@ -1845,6 +1858,7 @@
           <a:p>
             <a:fld id="{2993E540-44F6-49A4-992E-2A40635B547F}" type="slidenum">
               <a:rPr lang="en-US" smtClean="0"/>
+              <a:pPr/>
               <a:t>‹#›</a:t>
             </a:fld>
             <a:endParaRPr lang="en-US"/>
@@ -1854,7 +1868,7 @@
     </p:spTree>
     <p:extLst>
       <p:ext uri="{BB962C8B-B14F-4D97-AF65-F5344CB8AC3E}">
-        <p14:creationId xmlns:p14="http://schemas.microsoft.com/office/powerpoint/2010/main" val="950506489"/>
+        <p14:creationId xmlns:p14="http://schemas.microsoft.com/office/powerpoint/2010/main" xmlns="" val="950506489"/>
       </p:ext>
     </p:extLst>
   </p:cSld>
@@ -1921,7 +1935,8 @@
           <a:p>
             <a:fld id="{83409B2E-0D28-4806-A3F0-22C452D915F6}" type="datetimeFigureOut">
               <a:rPr lang="en-US" smtClean="0"/>
-              <a:t>5/9/2023</a:t>
+              <a:pPr/>
+              <a:t>5/11/2023</a:t>
             </a:fld>
             <a:endParaRPr lang="en-US"/>
           </a:p>
@@ -1963,6 +1978,7 @@
           <a:p>
             <a:fld id="{2993E540-44F6-49A4-992E-2A40635B547F}" type="slidenum">
               <a:rPr lang="en-US" smtClean="0"/>
+              <a:pPr/>
               <a:t>‹#›</a:t>
             </a:fld>
             <a:endParaRPr lang="en-US"/>
@@ -1972,7 +1988,7 @@
     </p:spTree>
     <p:extLst>
       <p:ext uri="{BB962C8B-B14F-4D97-AF65-F5344CB8AC3E}">
-        <p14:creationId xmlns:p14="http://schemas.microsoft.com/office/powerpoint/2010/main" val="3332803663"/>
+        <p14:creationId xmlns:p14="http://schemas.microsoft.com/office/powerpoint/2010/main" xmlns="" val="3332803663"/>
       </p:ext>
     </p:extLst>
   </p:cSld>
@@ -2016,7 +2032,8 @@
           <a:p>
             <a:fld id="{83409B2E-0D28-4806-A3F0-22C452D915F6}" type="datetimeFigureOut">
               <a:rPr lang="en-US" smtClean="0"/>
-              <a:t>5/9/2023</a:t>
+              <a:pPr/>
+              <a:t>5/11/2023</a:t>
             </a:fld>
             <a:endParaRPr lang="en-US"/>
           </a:p>
@@ -2058,6 +2075,7 @@
           <a:p>
             <a:fld id="{2993E540-44F6-49A4-992E-2A40635B547F}" type="slidenum">
               <a:rPr lang="en-US" smtClean="0"/>
+              <a:pPr/>
               <a:t>‹#›</a:t>
             </a:fld>
             <a:endParaRPr lang="en-US"/>
@@ -2067,7 +2085,7 @@
     </p:spTree>
     <p:extLst>
       <p:ext uri="{BB962C8B-B14F-4D97-AF65-F5344CB8AC3E}">
-        <p14:creationId xmlns:p14="http://schemas.microsoft.com/office/powerpoint/2010/main" val="2025706873"/>
+        <p14:creationId xmlns:p14="http://schemas.microsoft.com/office/powerpoint/2010/main" xmlns="" val="2025706873"/>
       </p:ext>
     </p:extLst>
   </p:cSld>
@@ -2293,7 +2311,8 @@
           <a:p>
             <a:fld id="{83409B2E-0D28-4806-A3F0-22C452D915F6}" type="datetimeFigureOut">
               <a:rPr lang="en-US" smtClean="0"/>
-              <a:t>5/9/2023</a:t>
+              <a:pPr/>
+              <a:t>5/11/2023</a:t>
             </a:fld>
             <a:endParaRPr lang="en-US"/>
           </a:p>
@@ -2335,6 +2354,7 @@
           <a:p>
             <a:fld id="{2993E540-44F6-49A4-992E-2A40635B547F}" type="slidenum">
               <a:rPr lang="en-US" smtClean="0"/>
+              <a:pPr/>
               <a:t>‹#›</a:t>
             </a:fld>
             <a:endParaRPr lang="en-US"/>
@@ -2344,7 +2364,7 @@
     </p:spTree>
     <p:extLst>
       <p:ext uri="{BB962C8B-B14F-4D97-AF65-F5344CB8AC3E}">
-        <p14:creationId xmlns:p14="http://schemas.microsoft.com/office/powerpoint/2010/main" val="2413037362"/>
+        <p14:creationId xmlns:p14="http://schemas.microsoft.com/office/powerpoint/2010/main" xmlns="" val="2413037362"/>
       </p:ext>
     </p:extLst>
   </p:cSld>
@@ -2550,7 +2570,8 @@
           <a:p>
             <a:fld id="{83409B2E-0D28-4806-A3F0-22C452D915F6}" type="datetimeFigureOut">
               <a:rPr lang="en-US" smtClean="0"/>
-              <a:t>5/9/2023</a:t>
+              <a:pPr/>
+              <a:t>5/11/2023</a:t>
             </a:fld>
             <a:endParaRPr lang="en-US"/>
           </a:p>
@@ -2592,6 +2613,7 @@
           <a:p>
             <a:fld id="{2993E540-44F6-49A4-992E-2A40635B547F}" type="slidenum">
               <a:rPr lang="en-US" smtClean="0"/>
+              <a:pPr/>
               <a:t>‹#›</a:t>
             </a:fld>
             <a:endParaRPr lang="en-US"/>
@@ -2601,7 +2623,7 @@
     </p:spTree>
     <p:extLst>
       <p:ext uri="{BB962C8B-B14F-4D97-AF65-F5344CB8AC3E}">
-        <p14:creationId xmlns:p14="http://schemas.microsoft.com/office/powerpoint/2010/main" val="4104576909"/>
+        <p14:creationId xmlns:p14="http://schemas.microsoft.com/office/powerpoint/2010/main" xmlns="" val="4104576909"/>
       </p:ext>
     </p:extLst>
   </p:cSld>
@@ -2768,7 +2790,8 @@
           <a:p>
             <a:fld id="{83409B2E-0D28-4806-A3F0-22C452D915F6}" type="datetimeFigureOut">
               <a:rPr lang="en-US" smtClean="0"/>
-              <a:t>5/9/2023</a:t>
+              <a:pPr/>
+              <a:t>5/11/2023</a:t>
             </a:fld>
             <a:endParaRPr lang="en-US"/>
           </a:p>
@@ -2846,6 +2869,7 @@
           <a:p>
             <a:fld id="{2993E540-44F6-49A4-992E-2A40635B547F}" type="slidenum">
               <a:rPr lang="en-US" smtClean="0"/>
+              <a:pPr/>
               <a:t>‹#›</a:t>
             </a:fld>
             <a:endParaRPr lang="en-US"/>
@@ -2855,7 +2879,7 @@
     </p:spTree>
     <p:extLst>
       <p:ext uri="{BB962C8B-B14F-4D97-AF65-F5344CB8AC3E}">
-        <p14:creationId xmlns:p14="http://schemas.microsoft.com/office/powerpoint/2010/main" val="4164391334"/>
+        <p14:creationId xmlns:p14="http://schemas.microsoft.com/office/powerpoint/2010/main" xmlns="" val="4164391334"/>
       </p:ext>
     </p:extLst>
   </p:cSld>
@@ -3205,13 +3229,20 @@
     </p:spTree>
     <p:extLst>
       <p:ext uri="{BB962C8B-B14F-4D97-AF65-F5344CB8AC3E}">
-        <p14:creationId xmlns:p14="http://schemas.microsoft.com/office/powerpoint/2010/main" val="298297117"/>
+        <p14:creationId xmlns:p14="http://schemas.microsoft.com/office/powerpoint/2010/main" xmlns="" val="298297117"/>
       </p:ext>
     </p:extLst>
   </p:cSld>
   <p:clrMapOvr>
     <a:masterClrMapping/>
   </p:clrMapOvr>
+  <p:timing>
+    <p:tnLst>
+      <p:par>
+        <p:cTn id="1" dur="indefinite" restart="never" nodeType="tmRoot"/>
+      </p:par>
+    </p:tnLst>
+  </p:timing>
 </p:sld>
 </file>
 
@@ -3357,13 +3388,20 @@
     </p:spTree>
     <p:extLst>
       <p:ext uri="{BB962C8B-B14F-4D97-AF65-F5344CB8AC3E}">
-        <p14:creationId xmlns:p14="http://schemas.microsoft.com/office/powerpoint/2010/main" val="966810002"/>
+        <p14:creationId xmlns:p14="http://schemas.microsoft.com/office/powerpoint/2010/main" xmlns="" val="966810002"/>
       </p:ext>
     </p:extLst>
   </p:cSld>
   <p:clrMapOvr>
     <a:masterClrMapping/>
   </p:clrMapOvr>
+  <p:timing>
+    <p:tnLst>
+      <p:par>
+        <p:cTn id="1" dur="indefinite" restart="never" nodeType="tmRoot"/>
+      </p:par>
+    </p:tnLst>
+  </p:timing>
 </p:sld>
 </file>
 
@@ -3417,17 +3455,7 @@
                 <a:latin typeface="微軟正黑體" pitchFamily="34" charset="-120"/>
                 <a:ea typeface="微軟正黑體" pitchFamily="34" charset="-120"/>
               </a:rPr>
-              <a:t>我們的呼</a:t>
-            </a:r>
-            <a:r>
-              <a:rPr lang="zh-TW" altLang="en-US" sz="6400" b="1" dirty="0">
-                <a:solidFill>
-                  <a:srgbClr val="660033"/>
-                </a:solidFill>
-                <a:latin typeface="微軟正黑體" pitchFamily="34" charset="-120"/>
-                <a:ea typeface="微軟正黑體" pitchFamily="34" charset="-120"/>
-              </a:rPr>
-              <a:t>求</a:t>
+              <a:t>我們的呼求</a:t>
             </a:r>
             <a:endParaRPr lang="en-US" altLang="zh-TW" sz="6400" b="1" dirty="0">
               <a:solidFill>
@@ -3449,17 +3477,7 @@
                 <a:latin typeface="微軟正黑體" pitchFamily="34" charset="-120"/>
                 <a:ea typeface="微軟正黑體" pitchFamily="34" charset="-120"/>
               </a:rPr>
-              <a:t>要</a:t>
-            </a:r>
-            <a:r>
-              <a:rPr lang="zh-TW" altLang="en-US" sz="6400" b="1" dirty="0">
-                <a:solidFill>
-                  <a:srgbClr val="660033"/>
-                </a:solidFill>
-                <a:latin typeface="微軟正黑體" pitchFamily="34" charset="-120"/>
-                <a:ea typeface="微軟正黑體" pitchFamily="34" charset="-120"/>
-              </a:rPr>
-              <a:t>震動這世代</a:t>
+              <a:t>要震動這世代</a:t>
             </a:r>
             <a:endParaRPr lang="en-US" altLang="zh-TW" sz="6400" b="1" dirty="0">
               <a:solidFill>
@@ -3536,13 +3554,20 @@
     </p:spTree>
     <p:extLst>
       <p:ext uri="{BB962C8B-B14F-4D97-AF65-F5344CB8AC3E}">
-        <p14:creationId xmlns:p14="http://schemas.microsoft.com/office/powerpoint/2010/main" val="2829357790"/>
+        <p14:creationId xmlns:p14="http://schemas.microsoft.com/office/powerpoint/2010/main" xmlns="" val="2829357790"/>
       </p:ext>
     </p:extLst>
   </p:cSld>
   <p:clrMapOvr>
     <a:masterClrMapping/>
   </p:clrMapOvr>
+  <p:timing>
+    <p:tnLst>
+      <p:par>
+        <p:cTn id="1" dur="indefinite" restart="never" nodeType="tmRoot"/>
+      </p:par>
+    </p:tnLst>
+  </p:timing>
 </p:sld>
 </file>
 
@@ -3688,13 +3713,20 @@
     </p:spTree>
     <p:extLst>
       <p:ext uri="{BB962C8B-B14F-4D97-AF65-F5344CB8AC3E}">
-        <p14:creationId xmlns:p14="http://schemas.microsoft.com/office/powerpoint/2010/main" val="1316817283"/>
+        <p14:creationId xmlns:p14="http://schemas.microsoft.com/office/powerpoint/2010/main" xmlns="" val="1316817283"/>
       </p:ext>
     </p:extLst>
   </p:cSld>
   <p:clrMapOvr>
     <a:masterClrMapping/>
   </p:clrMapOvr>
+  <p:timing>
+    <p:tnLst>
+      <p:par>
+        <p:cTn id="1" dur="indefinite" restart="never" nodeType="tmRoot"/>
+      </p:par>
+    </p:tnLst>
+  </p:timing>
 </p:sld>
 </file>
 
@@ -3748,37 +3780,7 @@
                 <a:latin typeface="微軟正黑體" pitchFamily="34" charset="-120"/>
                 <a:ea typeface="微軟正黑體" pitchFamily="34" charset="-120"/>
               </a:rPr>
-              <a:t>願</a:t>
-            </a:r>
-            <a:r>
-              <a:rPr lang="zh-TW" altLang="en-US" sz="6400" b="1" dirty="0">
-                <a:solidFill>
-                  <a:srgbClr val="660033"/>
-                </a:solidFill>
-                <a:latin typeface="微軟正黑體" pitchFamily="34" charset="-120"/>
-                <a:ea typeface="微軟正黑體" pitchFamily="34" charset="-120"/>
-              </a:rPr>
-              <a:t>祢</a:t>
-            </a:r>
-            <a:r>
-              <a:rPr lang="zh-TW" altLang="en-US" sz="6400" b="1" dirty="0">
-                <a:solidFill>
-                  <a:srgbClr val="660033"/>
-                </a:solidFill>
-                <a:latin typeface="微軟正黑體" pitchFamily="34" charset="-120"/>
-                <a:ea typeface="微軟正黑體" pitchFamily="34" charset="-120"/>
-              </a:rPr>
-              <a:t>興</a:t>
-            </a:r>
-            <a:r>
-              <a:rPr lang="zh-TW" altLang="en-US" sz="6400" b="1" dirty="0">
-                <a:solidFill>
-                  <a:srgbClr val="660033"/>
-                </a:solidFill>
-                <a:latin typeface="微軟正黑體" pitchFamily="34" charset="-120"/>
-                <a:ea typeface="微軟正黑體" pitchFamily="34" charset="-120"/>
-              </a:rPr>
-              <a:t>起守望的大軍</a:t>
+              <a:t>願祢興起守望的大軍</a:t>
             </a:r>
             <a:endParaRPr lang="en-US" altLang="zh-TW" sz="6400" b="1" dirty="0">
               <a:solidFill>
@@ -3800,17 +3802,7 @@
                 <a:latin typeface="微軟正黑體" pitchFamily="34" charset="-120"/>
                 <a:ea typeface="微軟正黑體" pitchFamily="34" charset="-120"/>
               </a:rPr>
-              <a:t>帶信</a:t>
-            </a:r>
-            <a:r>
-              <a:rPr lang="zh-TW" altLang="en-US" sz="6400" b="1" dirty="0">
-                <a:solidFill>
-                  <a:srgbClr val="660033"/>
-                </a:solidFill>
-                <a:latin typeface="微軟正黑體" pitchFamily="34" charset="-120"/>
-                <a:ea typeface="微軟正黑體" pitchFamily="34" charset="-120"/>
-              </a:rPr>
-              <a:t>心堅定抵擋仇敵</a:t>
+              <a:t>帶信心堅定抵擋仇敵</a:t>
             </a:r>
             <a:endParaRPr lang="en-US" altLang="zh-TW" sz="6400" b="1" dirty="0">
               <a:solidFill>
@@ -3907,13 +3899,20 @@
     </p:spTree>
     <p:extLst>
       <p:ext uri="{BB962C8B-B14F-4D97-AF65-F5344CB8AC3E}">
-        <p14:creationId xmlns:p14="http://schemas.microsoft.com/office/powerpoint/2010/main" val="619836636"/>
+        <p14:creationId xmlns:p14="http://schemas.microsoft.com/office/powerpoint/2010/main" xmlns="" val="619836636"/>
       </p:ext>
     </p:extLst>
   </p:cSld>
   <p:clrMapOvr>
     <a:masterClrMapping/>
   </p:clrMapOvr>
+  <p:timing>
+    <p:tnLst>
+      <p:par>
+        <p:cTn id="1" dur="indefinite" restart="never" nodeType="tmRoot"/>
+      </p:par>
+    </p:tnLst>
+  </p:timing>
 </p:sld>
 </file>
 
@@ -3967,37 +3966,7 @@
                 <a:latin typeface="微軟正黑體" pitchFamily="34" charset="-120"/>
                 <a:ea typeface="微軟正黑體" pitchFamily="34" charset="-120"/>
               </a:rPr>
-              <a:t>用</a:t>
-            </a:r>
-            <a:r>
-              <a:rPr lang="zh-TW" altLang="en-US" sz="6400" b="1" dirty="0">
-                <a:solidFill>
-                  <a:srgbClr val="660033"/>
-                </a:solidFill>
-                <a:latin typeface="微軟正黑體" pitchFamily="34" charset="-120"/>
-                <a:ea typeface="微軟正黑體" pitchFamily="34" charset="-120"/>
-              </a:rPr>
-              <a:t>祢</a:t>
-            </a:r>
-            <a:r>
-              <a:rPr lang="zh-TW" altLang="en-US" sz="6400" b="1" dirty="0">
-                <a:solidFill>
-                  <a:srgbClr val="660033"/>
-                </a:solidFill>
-                <a:latin typeface="微軟正黑體" pitchFamily="34" charset="-120"/>
-                <a:ea typeface="微軟正黑體" pitchFamily="34" charset="-120"/>
-              </a:rPr>
-              <a:t>的</a:t>
-            </a:r>
-            <a:r>
-              <a:rPr lang="zh-TW" altLang="en-US" sz="6400" b="1" dirty="0">
-                <a:solidFill>
-                  <a:srgbClr val="660033"/>
-                </a:solidFill>
-                <a:latin typeface="微軟正黑體" pitchFamily="34" charset="-120"/>
-                <a:ea typeface="微軟正黑體" pitchFamily="34" charset="-120"/>
-              </a:rPr>
-              <a:t>話語爭戰</a:t>
+              <a:t>用祢的話語爭戰</a:t>
             </a:r>
             <a:endParaRPr lang="en-US" altLang="zh-TW" sz="6400" b="1" dirty="0">
               <a:solidFill>
@@ -4019,47 +3988,7 @@
                 <a:latin typeface="微軟正黑體" pitchFamily="34" charset="-120"/>
                 <a:ea typeface="微軟正黑體" pitchFamily="34" charset="-120"/>
               </a:rPr>
-              <a:t>宣</a:t>
-            </a:r>
-            <a:r>
-              <a:rPr lang="zh-TW" altLang="en-US" sz="6400" b="1" dirty="0">
-                <a:solidFill>
-                  <a:srgbClr val="660033"/>
-                </a:solidFill>
-                <a:latin typeface="微軟正黑體" pitchFamily="34" charset="-120"/>
-                <a:ea typeface="微軟正黑體" pitchFamily="34" charset="-120"/>
-              </a:rPr>
-              <a:t>告</a:t>
-            </a:r>
-            <a:r>
-              <a:rPr lang="zh-TW" altLang="en-US" sz="6400" b="1" dirty="0">
-                <a:solidFill>
-                  <a:srgbClr val="660033"/>
-                </a:solidFill>
-                <a:latin typeface="微軟正黑體" pitchFamily="34" charset="-120"/>
-                <a:ea typeface="微軟正黑體" pitchFamily="34" charset="-120"/>
-              </a:rPr>
-              <a:t>祢</a:t>
-            </a:r>
-            <a:r>
-              <a:rPr lang="zh-TW" altLang="en-US" sz="6400" b="1" dirty="0">
-                <a:solidFill>
-                  <a:srgbClr val="660033"/>
-                </a:solidFill>
-                <a:latin typeface="微軟正黑體" pitchFamily="34" charset="-120"/>
-                <a:ea typeface="微軟正黑體" pitchFamily="34" charset="-120"/>
-              </a:rPr>
-              <a:t>國</a:t>
-            </a:r>
-            <a:r>
-              <a:rPr lang="zh-TW" altLang="en-US" sz="6400" b="1" dirty="0">
-                <a:solidFill>
-                  <a:srgbClr val="660033"/>
-                </a:solidFill>
-                <a:latin typeface="微軟正黑體" pitchFamily="34" charset="-120"/>
-                <a:ea typeface="微軟正黑體" pitchFamily="34" charset="-120"/>
-              </a:rPr>
-              <a:t>度降臨</a:t>
+              <a:t>宣告祢國度降臨</a:t>
             </a:r>
           </a:p>
         </p:txBody>
@@ -4149,13 +4078,20 @@
     </p:spTree>
     <p:extLst>
       <p:ext uri="{BB962C8B-B14F-4D97-AF65-F5344CB8AC3E}">
-        <p14:creationId xmlns:p14="http://schemas.microsoft.com/office/powerpoint/2010/main" val="1923579039"/>
+        <p14:creationId xmlns:p14="http://schemas.microsoft.com/office/powerpoint/2010/main" xmlns="" val="1923579039"/>
       </p:ext>
     </p:extLst>
   </p:cSld>
   <p:clrMapOvr>
     <a:masterClrMapping/>
   </p:clrMapOvr>
+  <p:timing>
+    <p:tnLst>
+      <p:par>
+        <p:cTn id="1" dur="indefinite" restart="never" nodeType="tmRoot"/>
+      </p:par>
+    </p:tnLst>
+  </p:timing>
 </p:sld>
 </file>
 
@@ -4318,13 +4254,20 @@
     </p:spTree>
     <p:extLst>
       <p:ext uri="{BB962C8B-B14F-4D97-AF65-F5344CB8AC3E}">
-        <p14:creationId xmlns:p14="http://schemas.microsoft.com/office/powerpoint/2010/main" val="4029844716"/>
+        <p14:creationId xmlns:p14="http://schemas.microsoft.com/office/powerpoint/2010/main" xmlns="" val="4029844716"/>
       </p:ext>
     </p:extLst>
   </p:cSld>
   <p:clrMapOvr>
     <a:masterClrMapping/>
   </p:clrMapOvr>
+  <p:timing>
+    <p:tnLst>
+      <p:par>
+        <p:cTn id="1" dur="indefinite" restart="never" nodeType="tmRoot"/>
+      </p:par>
+    </p:tnLst>
+  </p:timing>
 </p:sld>
 </file>
 
@@ -4378,37 +4321,7 @@
                 <a:latin typeface="微軟正黑體" pitchFamily="34" charset="-120"/>
                 <a:ea typeface="微軟正黑體" pitchFamily="34" charset="-120"/>
               </a:rPr>
-              <a:t>向</a:t>
-            </a:r>
-            <a:r>
-              <a:rPr lang="zh-TW" altLang="en-US" sz="6400" b="1" dirty="0">
-                <a:solidFill>
-                  <a:srgbClr val="660033"/>
-                </a:solidFill>
-                <a:latin typeface="微軟正黑體" pitchFamily="34" charset="-120"/>
-                <a:ea typeface="微軟正黑體" pitchFamily="34" charset="-120"/>
-              </a:rPr>
-              <a:t>祢</a:t>
-            </a:r>
-            <a:r>
-              <a:rPr lang="zh-TW" altLang="en-US" sz="6400" b="1" dirty="0">
-                <a:solidFill>
-                  <a:srgbClr val="660033"/>
-                </a:solidFill>
-                <a:latin typeface="微軟正黑體" pitchFamily="34" charset="-120"/>
-                <a:ea typeface="微軟正黑體" pitchFamily="34" charset="-120"/>
-              </a:rPr>
-              <a:t>求</a:t>
-            </a:r>
-            <a:r>
-              <a:rPr lang="zh-TW" altLang="en-US" sz="6400" b="1" dirty="0">
-                <a:solidFill>
-                  <a:srgbClr val="660033"/>
-                </a:solidFill>
-                <a:latin typeface="微軟正黑體" pitchFamily="34" charset="-120"/>
-                <a:ea typeface="微軟正黑體" pitchFamily="34" charset="-120"/>
-              </a:rPr>
-              <a:t>耶利米的心</a:t>
+              <a:t>向祢求耶利米的心</a:t>
             </a:r>
           </a:p>
         </p:txBody>
@@ -4488,13 +4401,20 @@
     </p:spTree>
     <p:extLst>
       <p:ext uri="{BB962C8B-B14F-4D97-AF65-F5344CB8AC3E}">
-        <p14:creationId xmlns:p14="http://schemas.microsoft.com/office/powerpoint/2010/main" val="1109970081"/>
+        <p14:creationId xmlns:p14="http://schemas.microsoft.com/office/powerpoint/2010/main" xmlns="" val="1109970081"/>
       </p:ext>
     </p:extLst>
   </p:cSld>
   <p:clrMapOvr>
     <a:masterClrMapping/>
   </p:clrMapOvr>
+  <p:timing>
+    <p:tnLst>
+      <p:par>
+        <p:cTn id="1" dur="indefinite" restart="never" nodeType="tmRoot"/>
+      </p:par>
+    </p:tnLst>
+  </p:timing>
 </p:sld>
 </file>
 
@@ -4657,13 +4577,20 @@
     </p:spTree>
     <p:extLst>
       <p:ext uri="{BB962C8B-B14F-4D97-AF65-F5344CB8AC3E}">
-        <p14:creationId xmlns:p14="http://schemas.microsoft.com/office/powerpoint/2010/main" val="2809680691"/>
+        <p14:creationId xmlns:p14="http://schemas.microsoft.com/office/powerpoint/2010/main" xmlns="" val="2809680691"/>
       </p:ext>
     </p:extLst>
   </p:cSld>
   <p:clrMapOvr>
     <a:masterClrMapping/>
   </p:clrMapOvr>
+  <p:timing>
+    <p:tnLst>
+      <p:par>
+        <p:cTn id="1" dur="indefinite" restart="never" nodeType="tmRoot"/>
+      </p:par>
+    </p:tnLst>
+  </p:timing>
 </p:sld>
 </file>
 
@@ -4717,37 +4644,7 @@
                 <a:latin typeface="微軟正黑體" pitchFamily="34" charset="-120"/>
                 <a:ea typeface="微軟正黑體" pitchFamily="34" charset="-120"/>
               </a:rPr>
-              <a:t>將</a:t>
-            </a:r>
-            <a:r>
-              <a:rPr lang="zh-TW" altLang="en-US" sz="6400" b="1" dirty="0">
-                <a:solidFill>
-                  <a:srgbClr val="660033"/>
-                </a:solidFill>
-                <a:latin typeface="微軟正黑體" pitchFamily="34" charset="-120"/>
-                <a:ea typeface="微軟正黑體" pitchFamily="34" charset="-120"/>
-              </a:rPr>
-              <a:t>祢</a:t>
-            </a:r>
-            <a:r>
-              <a:rPr lang="zh-TW" altLang="en-US" sz="6400" b="1" dirty="0">
-                <a:solidFill>
-                  <a:srgbClr val="660033"/>
-                </a:solidFill>
-                <a:latin typeface="微軟正黑體" pitchFamily="34" charset="-120"/>
-                <a:ea typeface="微軟正黑體" pitchFamily="34" charset="-120"/>
-              </a:rPr>
-              <a:t>心</a:t>
-            </a:r>
-            <a:r>
-              <a:rPr lang="zh-TW" altLang="en-US" sz="6400" b="1" dirty="0">
-                <a:solidFill>
-                  <a:srgbClr val="660033"/>
-                </a:solidFill>
-                <a:latin typeface="微軟正黑體" pitchFamily="34" charset="-120"/>
-                <a:ea typeface="微軟正黑體" pitchFamily="34" charset="-120"/>
-              </a:rPr>
-              <a:t>意釋放這世代</a:t>
+              <a:t>將祢心意釋放這世代</a:t>
             </a:r>
           </a:p>
         </p:txBody>
@@ -4827,13 +4724,20 @@
     </p:spTree>
     <p:extLst>
       <p:ext uri="{BB962C8B-B14F-4D97-AF65-F5344CB8AC3E}">
-        <p14:creationId xmlns:p14="http://schemas.microsoft.com/office/powerpoint/2010/main" val="2006627966"/>
+        <p14:creationId xmlns:p14="http://schemas.microsoft.com/office/powerpoint/2010/main" xmlns="" val="2006627966"/>
       </p:ext>
     </p:extLst>
   </p:cSld>
   <p:clrMapOvr>
     <a:masterClrMapping/>
   </p:clrMapOvr>
+  <p:timing>
+    <p:tnLst>
+      <p:par>
+        <p:cTn id="1" dur="indefinite" restart="never" nodeType="tmRoot"/>
+      </p:par>
+    </p:tnLst>
+  </p:timing>
 </p:sld>
 </file>
 
@@ -4909,27 +4813,7 @@
                 <a:latin typeface="微軟正黑體" pitchFamily="34" charset="-120"/>
                 <a:ea typeface="微軟正黑體" pitchFamily="34" charset="-120"/>
               </a:rPr>
-              <a:t>按</a:t>
-            </a:r>
-            <a:r>
-              <a:rPr lang="zh-TW" altLang="en-US" sz="6400" b="1" dirty="0">
-                <a:solidFill>
-                  <a:srgbClr val="660033"/>
-                </a:solidFill>
-                <a:latin typeface="微軟正黑體" pitchFamily="34" charset="-120"/>
-                <a:ea typeface="微軟正黑體" pitchFamily="34" charset="-120"/>
-              </a:rPr>
-              <a:t>著祢心</a:t>
-            </a:r>
-            <a:r>
-              <a:rPr lang="zh-TW" altLang="en-US" sz="6400" b="1" dirty="0">
-                <a:solidFill>
-                  <a:srgbClr val="660033"/>
-                </a:solidFill>
-                <a:latin typeface="微軟正黑體" pitchFamily="34" charset="-120"/>
-                <a:ea typeface="微軟正黑體" pitchFamily="34" charset="-120"/>
-              </a:rPr>
-              <a:t>意舉手代求</a:t>
+              <a:t>按著祢心意舉手代求</a:t>
             </a:r>
             <a:endParaRPr lang="en-US" altLang="zh-TW" sz="6400" b="1" dirty="0">
               <a:solidFill>
@@ -5026,13 +4910,20 @@
     </p:spTree>
     <p:extLst>
       <p:ext uri="{BB962C8B-B14F-4D97-AF65-F5344CB8AC3E}">
-        <p14:creationId xmlns:p14="http://schemas.microsoft.com/office/powerpoint/2010/main" val="1626251527"/>
+        <p14:creationId xmlns:p14="http://schemas.microsoft.com/office/powerpoint/2010/main" xmlns="" val="1626251527"/>
       </p:ext>
     </p:extLst>
   </p:cSld>
   <p:clrMapOvr>
     <a:masterClrMapping/>
   </p:clrMapOvr>
+  <p:timing>
+    <p:tnLst>
+      <p:par>
+        <p:cTn id="1" dur="indefinite" restart="never" nodeType="tmRoot"/>
+      </p:par>
+    </p:tnLst>
+  </p:timing>
 </p:sld>
 </file>
 
@@ -5215,13 +5106,20 @@
     </p:spTree>
     <p:extLst>
       <p:ext uri="{BB962C8B-B14F-4D97-AF65-F5344CB8AC3E}">
-        <p14:creationId xmlns:p14="http://schemas.microsoft.com/office/powerpoint/2010/main" val="1245494316"/>
+        <p14:creationId xmlns:p14="http://schemas.microsoft.com/office/powerpoint/2010/main" xmlns="" val="1245494316"/>
       </p:ext>
     </p:extLst>
   </p:cSld>
   <p:clrMapOvr>
     <a:masterClrMapping/>
   </p:clrMapOvr>
+  <p:timing>
+    <p:tnLst>
+      <p:par>
+        <p:cTn id="1" dur="indefinite" restart="never" nodeType="tmRoot"/>
+      </p:par>
+    </p:tnLst>
+  </p:timing>
 </p:sld>
 </file>
 
@@ -5275,47 +5173,7 @@
                 <a:latin typeface="微軟正黑體" pitchFamily="34" charset="-120"/>
                 <a:ea typeface="微軟正黑體" pitchFamily="34" charset="-120"/>
               </a:rPr>
-              <a:t>站</a:t>
-            </a:r>
-            <a:r>
-              <a:rPr lang="zh-TW" altLang="en-US" sz="6400" b="1" dirty="0">
-                <a:solidFill>
-                  <a:srgbClr val="660033"/>
-                </a:solidFill>
-                <a:latin typeface="微軟正黑體" pitchFamily="34" charset="-120"/>
-                <a:ea typeface="微軟正黑體" pitchFamily="34" charset="-120"/>
-              </a:rPr>
-              <a:t>在</a:t>
-            </a:r>
-            <a:r>
-              <a:rPr lang="zh-TW" altLang="en-US" sz="6400" b="1" dirty="0">
-                <a:solidFill>
-                  <a:srgbClr val="660033"/>
-                </a:solidFill>
-                <a:latin typeface="微軟正黑體" pitchFamily="34" charset="-120"/>
-                <a:ea typeface="微軟正黑體" pitchFamily="34" charset="-120"/>
-              </a:rPr>
-              <a:t>祢</a:t>
-            </a:r>
-            <a:r>
-              <a:rPr lang="zh-TW" altLang="en-US" sz="6400" b="1" dirty="0">
-                <a:solidFill>
-                  <a:srgbClr val="660033"/>
-                </a:solidFill>
-                <a:latin typeface="微軟正黑體" pitchFamily="34" charset="-120"/>
-                <a:ea typeface="微軟正黑體" pitchFamily="34" charset="-120"/>
-              </a:rPr>
-              <a:t>的</a:t>
-            </a:r>
-            <a:r>
-              <a:rPr lang="zh-TW" altLang="en-US" sz="6400" b="1" dirty="0">
-                <a:solidFill>
-                  <a:srgbClr val="660033"/>
-                </a:solidFill>
-                <a:latin typeface="微軟正黑體" pitchFamily="34" charset="-120"/>
-                <a:ea typeface="微軟正黑體" pitchFamily="34" charset="-120"/>
-              </a:rPr>
-              <a:t>應許中</a:t>
+              <a:t>站在祢的應許中</a:t>
             </a:r>
             <a:endParaRPr lang="en-US" altLang="zh-TW" sz="6400" b="1" dirty="0">
               <a:solidFill>
@@ -5337,47 +5195,7 @@
                 <a:latin typeface="微軟正黑體" pitchFamily="34" charset="-120"/>
                 <a:ea typeface="微軟正黑體" pitchFamily="34" charset="-120"/>
               </a:rPr>
-              <a:t>宣</a:t>
-            </a:r>
-            <a:r>
-              <a:rPr lang="zh-TW" altLang="en-US" sz="6400" b="1" dirty="0">
-                <a:solidFill>
-                  <a:srgbClr val="660033"/>
-                </a:solidFill>
-                <a:latin typeface="微軟正黑體" pitchFamily="34" charset="-120"/>
-                <a:ea typeface="微軟正黑體" pitchFamily="34" charset="-120"/>
-              </a:rPr>
-              <a:t>告</a:t>
-            </a:r>
-            <a:r>
-              <a:rPr lang="zh-TW" altLang="en-US" sz="6400" b="1" dirty="0">
-                <a:solidFill>
-                  <a:srgbClr val="660033"/>
-                </a:solidFill>
-                <a:latin typeface="微軟正黑體" pitchFamily="34" charset="-120"/>
-                <a:ea typeface="微軟正黑體" pitchFamily="34" charset="-120"/>
-              </a:rPr>
-              <a:t>祢</a:t>
-            </a:r>
-            <a:r>
-              <a:rPr lang="zh-TW" altLang="en-US" sz="6400" b="1" dirty="0">
-                <a:solidFill>
-                  <a:srgbClr val="660033"/>
-                </a:solidFill>
-                <a:latin typeface="微軟正黑體" pitchFamily="34" charset="-120"/>
-                <a:ea typeface="微軟正黑體" pitchFamily="34" charset="-120"/>
-              </a:rPr>
-              <a:t>國</a:t>
-            </a:r>
-            <a:r>
-              <a:rPr lang="zh-TW" altLang="en-US" sz="6400" b="1" dirty="0">
-                <a:solidFill>
-                  <a:srgbClr val="660033"/>
-                </a:solidFill>
-                <a:latin typeface="微軟正黑體" pitchFamily="34" charset="-120"/>
-                <a:ea typeface="微軟正黑體" pitchFamily="34" charset="-120"/>
-              </a:rPr>
-              <a:t>度降臨</a:t>
+              <a:t>宣告祢國度降臨</a:t>
             </a:r>
           </a:p>
         </p:txBody>
@@ -5457,13 +5275,20 @@
     </p:spTree>
     <p:extLst>
       <p:ext uri="{BB962C8B-B14F-4D97-AF65-F5344CB8AC3E}">
-        <p14:creationId xmlns:p14="http://schemas.microsoft.com/office/powerpoint/2010/main" val="56436060"/>
+        <p14:creationId xmlns:p14="http://schemas.microsoft.com/office/powerpoint/2010/main" xmlns="" val="56436060"/>
       </p:ext>
     </p:extLst>
   </p:cSld>
   <p:clrMapOvr>
     <a:masterClrMapping/>
   </p:clrMapOvr>
+  <p:timing>
+    <p:tnLst>
+      <p:par>
+        <p:cTn id="1" dur="indefinite" restart="never" nodeType="tmRoot"/>
+      </p:par>
+    </p:tnLst>
+  </p:timing>
 </p:sld>
 </file>
 
@@ -5517,37 +5342,7 @@
                 <a:latin typeface="微軟正黑體" pitchFamily="34" charset="-120"/>
                 <a:ea typeface="微軟正黑體" pitchFamily="34" charset="-120"/>
               </a:rPr>
-              <a:t>願</a:t>
-            </a:r>
-            <a:r>
-              <a:rPr lang="zh-TW" altLang="en-US" sz="6400" b="1" dirty="0">
-                <a:solidFill>
-                  <a:srgbClr val="660033"/>
-                </a:solidFill>
-                <a:latin typeface="微軟正黑體" pitchFamily="34" charset="-120"/>
-                <a:ea typeface="微軟正黑體" pitchFamily="34" charset="-120"/>
-              </a:rPr>
-              <a:t>祢</a:t>
-            </a:r>
-            <a:r>
-              <a:rPr lang="zh-TW" altLang="en-US" sz="6400" b="1" dirty="0">
-                <a:solidFill>
-                  <a:srgbClr val="660033"/>
-                </a:solidFill>
-                <a:latin typeface="微軟正黑體" pitchFamily="34" charset="-120"/>
-                <a:ea typeface="微軟正黑體" pitchFamily="34" charset="-120"/>
-              </a:rPr>
-              <a:t>興</a:t>
-            </a:r>
-            <a:r>
-              <a:rPr lang="zh-TW" altLang="en-US" sz="6400" b="1" dirty="0">
-                <a:solidFill>
-                  <a:srgbClr val="660033"/>
-                </a:solidFill>
-                <a:latin typeface="微軟正黑體" pitchFamily="34" charset="-120"/>
-                <a:ea typeface="微軟正黑體" pitchFamily="34" charset="-120"/>
-              </a:rPr>
-              <a:t>起守望的大軍</a:t>
+              <a:t>願祢興起守望的大軍</a:t>
             </a:r>
             <a:endParaRPr lang="en-US" altLang="zh-TW" sz="6400" b="1" dirty="0">
               <a:solidFill>
@@ -5569,17 +5364,7 @@
                 <a:latin typeface="微軟正黑體" pitchFamily="34" charset="-120"/>
                 <a:ea typeface="微軟正黑體" pitchFamily="34" charset="-120"/>
               </a:rPr>
-              <a:t>帶信</a:t>
-            </a:r>
-            <a:r>
-              <a:rPr lang="zh-TW" altLang="en-US" sz="6400" b="1" dirty="0">
-                <a:solidFill>
-                  <a:srgbClr val="660033"/>
-                </a:solidFill>
-                <a:latin typeface="微軟正黑體" pitchFamily="34" charset="-120"/>
-                <a:ea typeface="微軟正黑體" pitchFamily="34" charset="-120"/>
-              </a:rPr>
-              <a:t>心堅定抵擋仇敵</a:t>
+              <a:t>帶信心堅定抵擋仇敵</a:t>
             </a:r>
             <a:endParaRPr lang="en-US" altLang="zh-TW" sz="6400" b="1" dirty="0">
               <a:solidFill>
@@ -5676,13 +5461,20 @@
     </p:spTree>
     <p:extLst>
       <p:ext uri="{BB962C8B-B14F-4D97-AF65-F5344CB8AC3E}">
-        <p14:creationId xmlns:p14="http://schemas.microsoft.com/office/powerpoint/2010/main" val="2725901082"/>
+        <p14:creationId xmlns:p14="http://schemas.microsoft.com/office/powerpoint/2010/main" xmlns="" val="2725901082"/>
       </p:ext>
     </p:extLst>
   </p:cSld>
   <p:clrMapOvr>
     <a:masterClrMapping/>
   </p:clrMapOvr>
+  <p:timing>
+    <p:tnLst>
+      <p:par>
+        <p:cTn id="1" dur="indefinite" restart="never" nodeType="tmRoot"/>
+      </p:par>
+    </p:tnLst>
+  </p:timing>
 </p:sld>
 </file>
 
@@ -5736,37 +5528,7 @@
                 <a:latin typeface="微軟正黑體" pitchFamily="34" charset="-120"/>
                 <a:ea typeface="微軟正黑體" pitchFamily="34" charset="-120"/>
               </a:rPr>
-              <a:t>用</a:t>
-            </a:r>
-            <a:r>
-              <a:rPr lang="zh-TW" altLang="en-US" sz="6400" b="1" dirty="0">
-                <a:solidFill>
-                  <a:srgbClr val="660033"/>
-                </a:solidFill>
-                <a:latin typeface="微軟正黑體" pitchFamily="34" charset="-120"/>
-                <a:ea typeface="微軟正黑體" pitchFamily="34" charset="-120"/>
-              </a:rPr>
-              <a:t>祢</a:t>
-            </a:r>
-            <a:r>
-              <a:rPr lang="zh-TW" altLang="en-US" sz="6400" b="1" dirty="0">
-                <a:solidFill>
-                  <a:srgbClr val="660033"/>
-                </a:solidFill>
-                <a:latin typeface="微軟正黑體" pitchFamily="34" charset="-120"/>
-                <a:ea typeface="微軟正黑體" pitchFamily="34" charset="-120"/>
-              </a:rPr>
-              <a:t>的</a:t>
-            </a:r>
-            <a:r>
-              <a:rPr lang="zh-TW" altLang="en-US" sz="6400" b="1" dirty="0">
-                <a:solidFill>
-                  <a:srgbClr val="660033"/>
-                </a:solidFill>
-                <a:latin typeface="微軟正黑體" pitchFamily="34" charset="-120"/>
-                <a:ea typeface="微軟正黑體" pitchFamily="34" charset="-120"/>
-              </a:rPr>
-              <a:t>話語爭戰</a:t>
+              <a:t>用祢的話語爭戰</a:t>
             </a:r>
             <a:endParaRPr lang="en-US" altLang="zh-TW" sz="6400" b="1" dirty="0">
               <a:solidFill>
@@ -5788,47 +5550,7 @@
                 <a:latin typeface="微軟正黑體" pitchFamily="34" charset="-120"/>
                 <a:ea typeface="微軟正黑體" pitchFamily="34" charset="-120"/>
               </a:rPr>
-              <a:t>宣</a:t>
-            </a:r>
-            <a:r>
-              <a:rPr lang="zh-TW" altLang="en-US" sz="6400" b="1" dirty="0">
-                <a:solidFill>
-                  <a:srgbClr val="660033"/>
-                </a:solidFill>
-                <a:latin typeface="微軟正黑體" pitchFamily="34" charset="-120"/>
-                <a:ea typeface="微軟正黑體" pitchFamily="34" charset="-120"/>
-              </a:rPr>
-              <a:t>告</a:t>
-            </a:r>
-            <a:r>
-              <a:rPr lang="zh-TW" altLang="en-US" sz="6400" b="1" dirty="0">
-                <a:solidFill>
-                  <a:srgbClr val="660033"/>
-                </a:solidFill>
-                <a:latin typeface="微軟正黑體" pitchFamily="34" charset="-120"/>
-                <a:ea typeface="微軟正黑體" pitchFamily="34" charset="-120"/>
-              </a:rPr>
-              <a:t>祢</a:t>
-            </a:r>
-            <a:r>
-              <a:rPr lang="zh-TW" altLang="en-US" sz="6400" b="1" dirty="0">
-                <a:solidFill>
-                  <a:srgbClr val="660033"/>
-                </a:solidFill>
-                <a:latin typeface="微軟正黑體" pitchFamily="34" charset="-120"/>
-                <a:ea typeface="微軟正黑體" pitchFamily="34" charset="-120"/>
-              </a:rPr>
-              <a:t>國</a:t>
-            </a:r>
-            <a:r>
-              <a:rPr lang="zh-TW" altLang="en-US" sz="6400" b="1" dirty="0">
-                <a:solidFill>
-                  <a:srgbClr val="660033"/>
-                </a:solidFill>
-                <a:latin typeface="微軟正黑體" pitchFamily="34" charset="-120"/>
-                <a:ea typeface="微軟正黑體" pitchFamily="34" charset="-120"/>
-              </a:rPr>
-              <a:t>度降臨</a:t>
+              <a:t>宣告祢國度降臨</a:t>
             </a:r>
           </a:p>
         </p:txBody>
@@ -5918,13 +5640,20 @@
     </p:spTree>
     <p:extLst>
       <p:ext uri="{BB962C8B-B14F-4D97-AF65-F5344CB8AC3E}">
-        <p14:creationId xmlns:p14="http://schemas.microsoft.com/office/powerpoint/2010/main" val="3126077997"/>
+        <p14:creationId xmlns:p14="http://schemas.microsoft.com/office/powerpoint/2010/main" xmlns="" val="3126077997"/>
       </p:ext>
     </p:extLst>
   </p:cSld>
   <p:clrMapOvr>
     <a:masterClrMapping/>
   </p:clrMapOvr>
+  <p:timing>
+    <p:tnLst>
+      <p:par>
+        <p:cTn id="1" dur="indefinite" restart="never" nodeType="tmRoot"/>
+      </p:par>
+    </p:tnLst>
+  </p:timing>
 </p:sld>
 </file>
 
@@ -6077,13 +5806,20 @@
     </p:spTree>
     <p:extLst>
       <p:ext uri="{BB962C8B-B14F-4D97-AF65-F5344CB8AC3E}">
-        <p14:creationId xmlns:p14="http://schemas.microsoft.com/office/powerpoint/2010/main" val="3823309619"/>
+        <p14:creationId xmlns:p14="http://schemas.microsoft.com/office/powerpoint/2010/main" xmlns="" val="3823309619"/>
       </p:ext>
     </p:extLst>
   </p:cSld>
   <p:clrMapOvr>
     <a:masterClrMapping/>
   </p:clrMapOvr>
+  <p:timing>
+    <p:tnLst>
+      <p:par>
+        <p:cTn id="1" dur="indefinite" restart="never" nodeType="tmRoot"/>
+      </p:par>
+    </p:tnLst>
+  </p:timing>
 </p:sld>
 </file>
 
@@ -6229,13 +5965,20 @@
     </p:spTree>
     <p:extLst>
       <p:ext uri="{BB962C8B-B14F-4D97-AF65-F5344CB8AC3E}">
-        <p14:creationId xmlns:p14="http://schemas.microsoft.com/office/powerpoint/2010/main" val="3315600645"/>
+        <p14:creationId xmlns:p14="http://schemas.microsoft.com/office/powerpoint/2010/main" xmlns="" val="3315600645"/>
       </p:ext>
     </p:extLst>
   </p:cSld>
   <p:clrMapOvr>
     <a:masterClrMapping/>
   </p:clrMapOvr>
+  <p:timing>
+    <p:tnLst>
+      <p:par>
+        <p:cTn id="1" dur="indefinite" restart="never" nodeType="tmRoot"/>
+      </p:par>
+    </p:tnLst>
+  </p:timing>
 </p:sld>
 </file>
 
@@ -6388,13 +6131,20 @@
     </p:spTree>
     <p:extLst>
       <p:ext uri="{BB962C8B-B14F-4D97-AF65-F5344CB8AC3E}">
-        <p14:creationId xmlns:p14="http://schemas.microsoft.com/office/powerpoint/2010/main" val="2554981033"/>
+        <p14:creationId xmlns:p14="http://schemas.microsoft.com/office/powerpoint/2010/main" xmlns="" val="2554981033"/>
       </p:ext>
     </p:extLst>
   </p:cSld>
   <p:clrMapOvr>
     <a:masterClrMapping/>
   </p:clrMapOvr>
+  <p:timing>
+    <p:tnLst>
+      <p:par>
+        <p:cTn id="1" dur="indefinite" restart="never" nodeType="tmRoot"/>
+      </p:par>
+    </p:tnLst>
+  </p:timing>
 </p:sld>
 </file>
 
@@ -6540,13 +6290,20 @@
     </p:spTree>
     <p:extLst>
       <p:ext uri="{BB962C8B-B14F-4D97-AF65-F5344CB8AC3E}">
-        <p14:creationId xmlns:p14="http://schemas.microsoft.com/office/powerpoint/2010/main" val="76358652"/>
+        <p14:creationId xmlns:p14="http://schemas.microsoft.com/office/powerpoint/2010/main" xmlns="" val="76358652"/>
       </p:ext>
     </p:extLst>
   </p:cSld>
   <p:clrMapOvr>
     <a:masterClrMapping/>
   </p:clrMapOvr>
+  <p:timing>
+    <p:tnLst>
+      <p:par>
+        <p:cTn id="1" dur="indefinite" restart="never" nodeType="tmRoot"/>
+      </p:par>
+    </p:tnLst>
+  </p:timing>
 </p:sld>
 </file>
 
@@ -6604,24 +6361,7 @@
                 <a:latin typeface="微軟正黑體" pitchFamily="34" charset="-120"/>
                 <a:ea typeface="微軟正黑體" pitchFamily="34" charset="-120"/>
               </a:rPr>
-              <a:t>凡</a:t>
-            </a:r>
-            <a:r>
-              <a:rPr lang="zh-TW" altLang="en-US" sz="7200" b="1" i="1" dirty="0">
-                <a:solidFill>
-                  <a:srgbClr val="000066"/>
-                </a:solidFill>
-                <a:effectLst>
-                  <a:outerShdw blurRad="38100" dist="38100" dir="2700000" algn="tl">
-                    <a:srgbClr val="000000">
-                      <a:alpha val="43137"/>
-                    </a:srgbClr>
-                  </a:outerShdw>
-                </a:effectLst>
-                <a:latin typeface="微軟正黑體" pitchFamily="34" charset="-120"/>
-                <a:ea typeface="微軟正黑體" pitchFamily="34" charset="-120"/>
-              </a:rPr>
-              <a:t>事都能做</a:t>
+              <a:t>凡事都能做</a:t>
             </a:r>
           </a:p>
         </p:txBody>
@@ -6629,13 +6369,20 @@
     </p:spTree>
     <p:extLst>
       <p:ext uri="{BB962C8B-B14F-4D97-AF65-F5344CB8AC3E}">
-        <p14:creationId xmlns:p14="http://schemas.microsoft.com/office/powerpoint/2010/main" val="2959810715"/>
+        <p14:creationId xmlns:p14="http://schemas.microsoft.com/office/powerpoint/2010/main" xmlns="" val="2959810715"/>
       </p:ext>
     </p:extLst>
   </p:cSld>
   <p:clrMapOvr>
     <a:masterClrMapping/>
   </p:clrMapOvr>
+  <p:timing>
+    <p:tnLst>
+      <p:par>
+        <p:cTn id="1" dur="indefinite" restart="never" nodeType="tmRoot"/>
+      </p:par>
+    </p:tnLst>
+  </p:timing>
 </p:sld>
 </file>
 
@@ -6689,47 +6436,27 @@
                 <a:latin typeface="微軟正黑體" pitchFamily="34" charset="-120"/>
                 <a:ea typeface="微軟正黑體" pitchFamily="34" charset="-120"/>
               </a:rPr>
-              <a:t>信是未曾看</a:t>
-            </a:r>
-            <a:r>
-              <a:rPr lang="zh-TW" altLang="en-US" sz="6400" b="1" dirty="0">
+              <a:t>信是未曾看見</a:t>
+            </a:r>
+            <a:r>
+              <a:rPr lang="en-US" altLang="zh-TW" sz="6400" b="1" dirty="0">
                 <a:solidFill>
                   <a:srgbClr val="000066"/>
                 </a:solidFill>
                 <a:latin typeface="微軟正黑體" pitchFamily="34" charset="-120"/>
                 <a:ea typeface="微軟正黑體" pitchFamily="34" charset="-120"/>
               </a:rPr>
-              <a:t>見</a:t>
-            </a:r>
-            <a:r>
-              <a:rPr lang="en-US" altLang="zh-TW" sz="6400" b="1" dirty="0">
+              <a:t>  </a:t>
+            </a:r>
+            <a:r>
+              <a:rPr lang="zh-TW" altLang="en-US" sz="6400" b="1" dirty="0">
                 <a:solidFill>
                   <a:srgbClr val="000066"/>
                 </a:solidFill>
                 <a:latin typeface="微軟正黑體" pitchFamily="34" charset="-120"/>
                 <a:ea typeface="微軟正黑體" pitchFamily="34" charset="-120"/>
               </a:rPr>
-              <a:t>  </a:t>
-            </a:r>
-            <a:r>
-              <a:rPr lang="zh-TW" altLang="en-US" sz="6400" b="1" dirty="0">
-                <a:solidFill>
-                  <a:srgbClr val="000066"/>
-                </a:solidFill>
-                <a:latin typeface="微軟正黑體" pitchFamily="34" charset="-120"/>
-                <a:ea typeface="微軟正黑體" pitchFamily="34" charset="-120"/>
-              </a:rPr>
-              <a:t>依</a:t>
-            </a:r>
-            <a:r>
-              <a:rPr lang="zh-TW" altLang="en-US" sz="6400" b="1" dirty="0">
-                <a:solidFill>
-                  <a:srgbClr val="000066"/>
-                </a:solidFill>
-                <a:latin typeface="微軟正黑體" pitchFamily="34" charset="-120"/>
-                <a:ea typeface="微軟正黑體" pitchFamily="34" charset="-120"/>
-              </a:rPr>
-              <a:t>然仰望十架</a:t>
+              <a:t>依然仰望十架</a:t>
             </a:r>
             <a:endParaRPr lang="en-US" altLang="zh-TW" sz="6400" b="1" dirty="0">
               <a:solidFill>
@@ -6751,47 +6478,27 @@
                 <a:latin typeface="微軟正黑體" pitchFamily="34" charset="-120"/>
                 <a:ea typeface="微軟正黑體" pitchFamily="34" charset="-120"/>
               </a:rPr>
-              <a:t>信是完全交</a:t>
-            </a:r>
-            <a:r>
-              <a:rPr lang="zh-TW" altLang="en-US" sz="6400" b="1" dirty="0">
+              <a:t>信是完全交托</a:t>
+            </a:r>
+            <a:r>
+              <a:rPr lang="en-US" altLang="zh-TW" sz="6400" b="1" dirty="0">
                 <a:solidFill>
                   <a:srgbClr val="000066"/>
                 </a:solidFill>
                 <a:latin typeface="微軟正黑體" pitchFamily="34" charset="-120"/>
                 <a:ea typeface="微軟正黑體" pitchFamily="34" charset="-120"/>
               </a:rPr>
-              <a:t>托</a:t>
-            </a:r>
-            <a:r>
-              <a:rPr lang="en-US" altLang="zh-TW" sz="6400" b="1" dirty="0">
+              <a:t>  </a:t>
+            </a:r>
+            <a:r>
+              <a:rPr lang="zh-TW" altLang="en-US" sz="6400" b="1" dirty="0">
                 <a:solidFill>
                   <a:srgbClr val="000066"/>
                 </a:solidFill>
                 <a:latin typeface="微軟正黑體" pitchFamily="34" charset="-120"/>
                 <a:ea typeface="微軟正黑體" pitchFamily="34" charset="-120"/>
               </a:rPr>
-              <a:t>  </a:t>
-            </a:r>
-            <a:r>
-              <a:rPr lang="zh-TW" altLang="en-US" sz="6400" b="1" dirty="0">
-                <a:solidFill>
-                  <a:srgbClr val="000066"/>
-                </a:solidFill>
-                <a:latin typeface="微軟正黑體" pitchFamily="34" charset="-120"/>
-                <a:ea typeface="微軟正黑體" pitchFamily="34" charset="-120"/>
-              </a:rPr>
-              <a:t>深</a:t>
-            </a:r>
-            <a:r>
-              <a:rPr lang="zh-TW" altLang="en-US" sz="6400" b="1" dirty="0">
-                <a:solidFill>
-                  <a:srgbClr val="000066"/>
-                </a:solidFill>
-                <a:latin typeface="微軟正黑體" pitchFamily="34" charset="-120"/>
-                <a:ea typeface="微軟正黑體" pitchFamily="34" charset="-120"/>
-              </a:rPr>
-              <a:t>知主已掌權</a:t>
+              <a:t>深知主已掌權</a:t>
             </a:r>
           </a:p>
         </p:txBody>
@@ -6861,13 +6568,20 @@
     </p:spTree>
     <p:extLst>
       <p:ext uri="{BB962C8B-B14F-4D97-AF65-F5344CB8AC3E}">
-        <p14:creationId xmlns:p14="http://schemas.microsoft.com/office/powerpoint/2010/main" val="3402668600"/>
+        <p14:creationId xmlns:p14="http://schemas.microsoft.com/office/powerpoint/2010/main" xmlns="" val="3402668600"/>
       </p:ext>
     </p:extLst>
   </p:cSld>
   <p:clrMapOvr>
     <a:masterClrMapping/>
   </p:clrMapOvr>
+  <p:timing>
+    <p:tnLst>
+      <p:par>
+        <p:cTn id="1" dur="indefinite" restart="never" nodeType="tmRoot"/>
+      </p:par>
+    </p:tnLst>
+  </p:timing>
 </p:sld>
 </file>
 
@@ -7020,13 +6734,20 @@
     </p:spTree>
     <p:extLst>
       <p:ext uri="{BB962C8B-B14F-4D97-AF65-F5344CB8AC3E}">
-        <p14:creationId xmlns:p14="http://schemas.microsoft.com/office/powerpoint/2010/main" val="482312626"/>
+        <p14:creationId xmlns:p14="http://schemas.microsoft.com/office/powerpoint/2010/main" xmlns="" val="482312626"/>
       </p:ext>
     </p:extLst>
   </p:cSld>
   <p:clrMapOvr>
     <a:masterClrMapping/>
   </p:clrMapOvr>
+  <p:timing>
+    <p:tnLst>
+      <p:par>
+        <p:cTn id="1" dur="indefinite" restart="never" nodeType="tmRoot"/>
+      </p:par>
+    </p:tnLst>
+  </p:timing>
 </p:sld>
 </file>
 
@@ -7172,13 +6893,20 @@
     </p:spTree>
     <p:extLst>
       <p:ext uri="{BB962C8B-B14F-4D97-AF65-F5344CB8AC3E}">
-        <p14:creationId xmlns:p14="http://schemas.microsoft.com/office/powerpoint/2010/main" val="1484898461"/>
+        <p14:creationId xmlns:p14="http://schemas.microsoft.com/office/powerpoint/2010/main" xmlns="" val="1484898461"/>
       </p:ext>
     </p:extLst>
   </p:cSld>
   <p:clrMapOvr>
     <a:masterClrMapping/>
   </p:clrMapOvr>
+  <p:timing>
+    <p:tnLst>
+      <p:par>
+        <p:cTn id="1" dur="indefinite" restart="never" nodeType="tmRoot"/>
+      </p:par>
+    </p:tnLst>
+  </p:timing>
 </p:sld>
 </file>
 
@@ -7324,13 +7052,20 @@
     </p:spTree>
     <p:extLst>
       <p:ext uri="{BB962C8B-B14F-4D97-AF65-F5344CB8AC3E}">
-        <p14:creationId xmlns:p14="http://schemas.microsoft.com/office/powerpoint/2010/main" val="2794652543"/>
+        <p14:creationId xmlns:p14="http://schemas.microsoft.com/office/powerpoint/2010/main" xmlns="" val="2794652543"/>
       </p:ext>
     </p:extLst>
   </p:cSld>
   <p:clrMapOvr>
     <a:masterClrMapping/>
   </p:clrMapOvr>
+  <p:timing>
+    <p:tnLst>
+      <p:par>
+        <p:cTn id="1" dur="indefinite" restart="never" nodeType="tmRoot"/>
+      </p:par>
+    </p:tnLst>
+  </p:timing>
 </p:sld>
 </file>
 
@@ -7483,13 +7218,20 @@
     </p:spTree>
     <p:extLst>
       <p:ext uri="{BB962C8B-B14F-4D97-AF65-F5344CB8AC3E}">
-        <p14:creationId xmlns:p14="http://schemas.microsoft.com/office/powerpoint/2010/main" val="2976611916"/>
+        <p14:creationId xmlns:p14="http://schemas.microsoft.com/office/powerpoint/2010/main" xmlns="" val="2976611916"/>
       </p:ext>
     </p:extLst>
   </p:cSld>
   <p:clrMapOvr>
     <a:masterClrMapping/>
   </p:clrMapOvr>
+  <p:timing>
+    <p:tnLst>
+      <p:par>
+        <p:cTn id="1" dur="indefinite" restart="never" nodeType="tmRoot"/>
+      </p:par>
+    </p:tnLst>
+  </p:timing>
 </p:sld>
 </file>
 
@@ -7635,13 +7377,20 @@
     </p:spTree>
     <p:extLst>
       <p:ext uri="{BB962C8B-B14F-4D97-AF65-F5344CB8AC3E}">
-        <p14:creationId xmlns:p14="http://schemas.microsoft.com/office/powerpoint/2010/main" val="3950949094"/>
+        <p14:creationId xmlns:p14="http://schemas.microsoft.com/office/powerpoint/2010/main" xmlns="" val="3950949094"/>
       </p:ext>
     </p:extLst>
   </p:cSld>
   <p:clrMapOvr>
     <a:masterClrMapping/>
   </p:clrMapOvr>
+  <p:timing>
+    <p:tnLst>
+      <p:par>
+        <p:cTn id="1" dur="indefinite" restart="never" nodeType="tmRoot"/>
+      </p:par>
+    </p:tnLst>
+  </p:timing>
 </p:sld>
 </file>
 
@@ -7794,13 +7543,20 @@
     </p:spTree>
     <p:extLst>
       <p:ext uri="{BB962C8B-B14F-4D97-AF65-F5344CB8AC3E}">
-        <p14:creationId xmlns:p14="http://schemas.microsoft.com/office/powerpoint/2010/main" val="888246208"/>
+        <p14:creationId xmlns:p14="http://schemas.microsoft.com/office/powerpoint/2010/main" xmlns="" val="888246208"/>
       </p:ext>
     </p:extLst>
   </p:cSld>
   <p:clrMapOvr>
     <a:masterClrMapping/>
   </p:clrMapOvr>
+  <p:timing>
+    <p:tnLst>
+      <p:par>
+        <p:cTn id="1" dur="indefinite" restart="never" nodeType="tmRoot"/>
+      </p:par>
+    </p:tnLst>
+  </p:timing>
 </p:sld>
 </file>
 
@@ -7946,13 +7702,20 @@
     </p:spTree>
     <p:extLst>
       <p:ext uri="{BB962C8B-B14F-4D97-AF65-F5344CB8AC3E}">
-        <p14:creationId xmlns:p14="http://schemas.microsoft.com/office/powerpoint/2010/main" val="2405227310"/>
+        <p14:creationId xmlns:p14="http://schemas.microsoft.com/office/powerpoint/2010/main" xmlns="" val="2405227310"/>
       </p:ext>
     </p:extLst>
   </p:cSld>
   <p:clrMapOvr>
     <a:masterClrMapping/>
   </p:clrMapOvr>
+  <p:timing>
+    <p:tnLst>
+      <p:par>
+        <p:cTn id="1" dur="indefinite" restart="never" nodeType="tmRoot"/>
+      </p:par>
+    </p:tnLst>
+  </p:timing>
 </p:sld>
 </file>
 
@@ -8105,13 +7868,20 @@
     </p:spTree>
     <p:extLst>
       <p:ext uri="{BB962C8B-B14F-4D97-AF65-F5344CB8AC3E}">
-        <p14:creationId xmlns:p14="http://schemas.microsoft.com/office/powerpoint/2010/main" val="1335780444"/>
+        <p14:creationId xmlns:p14="http://schemas.microsoft.com/office/powerpoint/2010/main" xmlns="" val="1335780444"/>
       </p:ext>
     </p:extLst>
   </p:cSld>
   <p:clrMapOvr>
     <a:masterClrMapping/>
   </p:clrMapOvr>
+  <p:timing>
+    <p:tnLst>
+      <p:par>
+        <p:cTn id="1" dur="indefinite" restart="never" nodeType="tmRoot"/>
+      </p:par>
+    </p:tnLst>
+  </p:timing>
 </p:sld>
 </file>
 
@@ -8257,13 +8027,20 @@
     </p:spTree>
     <p:extLst>
       <p:ext uri="{BB962C8B-B14F-4D97-AF65-F5344CB8AC3E}">
-        <p14:creationId xmlns:p14="http://schemas.microsoft.com/office/powerpoint/2010/main" val="2770286266"/>
+        <p14:creationId xmlns:p14="http://schemas.microsoft.com/office/powerpoint/2010/main" xmlns="" val="2770286266"/>
       </p:ext>
     </p:extLst>
   </p:cSld>
   <p:clrMapOvr>
     <a:masterClrMapping/>
   </p:clrMapOvr>
+  <p:timing>
+    <p:tnLst>
+      <p:par>
+        <p:cTn id="1" dur="indefinite" restart="never" nodeType="tmRoot"/>
+      </p:par>
+    </p:tnLst>
+  </p:timing>
 </p:sld>
 </file>
 
@@ -8416,13 +8193,20 @@
     </p:spTree>
     <p:extLst>
       <p:ext uri="{BB962C8B-B14F-4D97-AF65-F5344CB8AC3E}">
-        <p14:creationId xmlns:p14="http://schemas.microsoft.com/office/powerpoint/2010/main" val="1647452670"/>
+        <p14:creationId xmlns:p14="http://schemas.microsoft.com/office/powerpoint/2010/main" xmlns="" val="1647452670"/>
       </p:ext>
     </p:extLst>
   </p:cSld>
   <p:clrMapOvr>
     <a:masterClrMapping/>
   </p:clrMapOvr>
+  <p:timing>
+    <p:tnLst>
+      <p:par>
+        <p:cTn id="1" dur="indefinite" restart="never" nodeType="tmRoot"/>
+      </p:par>
+    </p:tnLst>
+  </p:timing>
 </p:sld>
 </file>
 
@@ -8568,13 +8352,20 @@
     </p:spTree>
     <p:extLst>
       <p:ext uri="{BB962C8B-B14F-4D97-AF65-F5344CB8AC3E}">
-        <p14:creationId xmlns:p14="http://schemas.microsoft.com/office/powerpoint/2010/main" val="478289684"/>
+        <p14:creationId xmlns:p14="http://schemas.microsoft.com/office/powerpoint/2010/main" xmlns="" val="478289684"/>
       </p:ext>
     </p:extLst>
   </p:cSld>
   <p:clrMapOvr>
     <a:masterClrMapping/>
   </p:clrMapOvr>
+  <p:timing>
+    <p:tnLst>
+      <p:par>
+        <p:cTn id="1" dur="indefinite" restart="never" nodeType="tmRoot"/>
+      </p:par>
+    </p:tnLst>
+  </p:timing>
 </p:sld>
 </file>
 
@@ -8727,13 +8518,20 @@
     </p:spTree>
     <p:extLst>
       <p:ext uri="{BB962C8B-B14F-4D97-AF65-F5344CB8AC3E}">
-        <p14:creationId xmlns:p14="http://schemas.microsoft.com/office/powerpoint/2010/main" val="3682382127"/>
+        <p14:creationId xmlns:p14="http://schemas.microsoft.com/office/powerpoint/2010/main" xmlns="" val="3682382127"/>
       </p:ext>
     </p:extLst>
   </p:cSld>
   <p:clrMapOvr>
     <a:masterClrMapping/>
   </p:clrMapOvr>
+  <p:timing>
+    <p:tnLst>
+      <p:par>
+        <p:cTn id="1" dur="indefinite" restart="never" nodeType="tmRoot"/>
+      </p:par>
+    </p:tnLst>
+  </p:timing>
 </p:sld>
 </file>
 
@@ -8787,17 +8585,7 @@
                 <a:latin typeface="微軟正黑體" pitchFamily="34" charset="-120"/>
                 <a:ea typeface="微軟正黑體" pitchFamily="34" charset="-120"/>
               </a:rPr>
-              <a:t>我們的呼</a:t>
-            </a:r>
-            <a:r>
-              <a:rPr lang="zh-TW" altLang="en-US" sz="6400" b="1" dirty="0">
-                <a:solidFill>
-                  <a:srgbClr val="660033"/>
-                </a:solidFill>
-                <a:latin typeface="微軟正黑體" pitchFamily="34" charset="-120"/>
-                <a:ea typeface="微軟正黑體" pitchFamily="34" charset="-120"/>
-              </a:rPr>
-              <a:t>求</a:t>
+              <a:t>我們的呼求</a:t>
             </a:r>
             <a:endParaRPr lang="en-US" altLang="zh-TW" sz="6400" b="1" dirty="0">
               <a:solidFill>
@@ -8819,17 +8607,7 @@
                 <a:latin typeface="微軟正黑體" pitchFamily="34" charset="-120"/>
                 <a:ea typeface="微軟正黑體" pitchFamily="34" charset="-120"/>
               </a:rPr>
-              <a:t>要</a:t>
-            </a:r>
-            <a:r>
-              <a:rPr lang="zh-TW" altLang="en-US" sz="6400" b="1" dirty="0">
-                <a:solidFill>
-                  <a:srgbClr val="660033"/>
-                </a:solidFill>
-                <a:latin typeface="微軟正黑體" pitchFamily="34" charset="-120"/>
-                <a:ea typeface="微軟正黑體" pitchFamily="34" charset="-120"/>
-              </a:rPr>
-              <a:t>震動這世代</a:t>
+              <a:t>要震動這世代</a:t>
             </a:r>
             <a:endParaRPr lang="en-US" altLang="zh-TW" sz="6400" b="1" dirty="0">
               <a:solidFill>
@@ -8906,13 +8684,20 @@
     </p:spTree>
     <p:extLst>
       <p:ext uri="{BB962C8B-B14F-4D97-AF65-F5344CB8AC3E}">
-        <p14:creationId xmlns:p14="http://schemas.microsoft.com/office/powerpoint/2010/main" val="4178311180"/>
+        <p14:creationId xmlns:p14="http://schemas.microsoft.com/office/powerpoint/2010/main" xmlns="" val="4178311180"/>
       </p:ext>
     </p:extLst>
   </p:cSld>
   <p:clrMapOvr>
     <a:masterClrMapping/>
   </p:clrMapOvr>
+  <p:timing>
+    <p:tnLst>
+      <p:par>
+        <p:cTn id="1" dur="indefinite" restart="never" nodeType="tmRoot"/>
+      </p:par>
+    </p:tnLst>
+  </p:timing>
 </p:sld>
 </file>
 
@@ -9088,13 +8873,20 @@
     </p:spTree>
     <p:extLst>
       <p:ext uri="{BB962C8B-B14F-4D97-AF65-F5344CB8AC3E}">
-        <p14:creationId xmlns:p14="http://schemas.microsoft.com/office/powerpoint/2010/main" val="1322593299"/>
+        <p14:creationId xmlns:p14="http://schemas.microsoft.com/office/powerpoint/2010/main" xmlns="" val="1322593299"/>
       </p:ext>
     </p:extLst>
   </p:cSld>
   <p:clrMapOvr>
     <a:masterClrMapping/>
   </p:clrMapOvr>
+  <p:timing>
+    <p:tnLst>
+      <p:par>
+        <p:cTn id="1" dur="indefinite" restart="never" nodeType="tmRoot"/>
+      </p:par>
+    </p:tnLst>
+  </p:timing>
 </p:sld>
 </file>
 
@@ -9240,13 +9032,20 @@
     </p:spTree>
     <p:extLst>
       <p:ext uri="{BB962C8B-B14F-4D97-AF65-F5344CB8AC3E}">
-        <p14:creationId xmlns:p14="http://schemas.microsoft.com/office/powerpoint/2010/main" val="2329472149"/>
+        <p14:creationId xmlns:p14="http://schemas.microsoft.com/office/powerpoint/2010/main" xmlns="" val="2329472149"/>
       </p:ext>
     </p:extLst>
   </p:cSld>
   <p:clrMapOvr>
     <a:masterClrMapping/>
   </p:clrMapOvr>
+  <p:timing>
+    <p:tnLst>
+      <p:par>
+        <p:cTn id="1" dur="indefinite" restart="never" nodeType="tmRoot"/>
+      </p:par>
+    </p:tnLst>
+  </p:timing>
 </p:sld>
 </file>
 
@@ -9322,27 +9121,7 @@
                 <a:latin typeface="微軟正黑體" pitchFamily="34" charset="-120"/>
                 <a:ea typeface="微軟正黑體" pitchFamily="34" charset="-120"/>
               </a:rPr>
-              <a:t>按</a:t>
-            </a:r>
-            <a:r>
-              <a:rPr lang="zh-TW" altLang="en-US" sz="6400" b="1" dirty="0">
-                <a:solidFill>
-                  <a:srgbClr val="660033"/>
-                </a:solidFill>
-                <a:latin typeface="微軟正黑體" pitchFamily="34" charset="-120"/>
-                <a:ea typeface="微軟正黑體" pitchFamily="34" charset="-120"/>
-              </a:rPr>
-              <a:t>著祢心</a:t>
-            </a:r>
-            <a:r>
-              <a:rPr lang="zh-TW" altLang="en-US" sz="6400" b="1" dirty="0">
-                <a:solidFill>
-                  <a:srgbClr val="660033"/>
-                </a:solidFill>
-                <a:latin typeface="微軟正黑體" pitchFamily="34" charset="-120"/>
-                <a:ea typeface="微軟正黑體" pitchFamily="34" charset="-120"/>
-              </a:rPr>
-              <a:t>意舉手代求</a:t>
+              <a:t>按著祢心意舉手代求</a:t>
             </a:r>
             <a:endParaRPr lang="en-US" altLang="zh-TW" sz="6400" b="1" dirty="0">
               <a:solidFill>
@@ -9439,13 +9218,20 @@
     </p:spTree>
     <p:extLst>
       <p:ext uri="{BB962C8B-B14F-4D97-AF65-F5344CB8AC3E}">
-        <p14:creationId xmlns:p14="http://schemas.microsoft.com/office/powerpoint/2010/main" val="2808342790"/>
+        <p14:creationId xmlns:p14="http://schemas.microsoft.com/office/powerpoint/2010/main" xmlns="" val="2808342790"/>
       </p:ext>
     </p:extLst>
   </p:cSld>
   <p:clrMapOvr>
     <a:masterClrMapping/>
   </p:clrMapOvr>
+  <p:timing>
+    <p:tnLst>
+      <p:par>
+        <p:cTn id="1" dur="indefinite" restart="never" nodeType="tmRoot"/>
+      </p:par>
+    </p:tnLst>
+  </p:timing>
 </p:sld>
 </file>
 
@@ -9499,47 +9285,7 @@
                 <a:latin typeface="微軟正黑體" pitchFamily="34" charset="-120"/>
                 <a:ea typeface="微軟正黑體" pitchFamily="34" charset="-120"/>
               </a:rPr>
-              <a:t>站</a:t>
-            </a:r>
-            <a:r>
-              <a:rPr lang="zh-TW" altLang="en-US" sz="6400" b="1" dirty="0">
-                <a:solidFill>
-                  <a:srgbClr val="660033"/>
-                </a:solidFill>
-                <a:latin typeface="微軟正黑體" pitchFamily="34" charset="-120"/>
-                <a:ea typeface="微軟正黑體" pitchFamily="34" charset="-120"/>
-              </a:rPr>
-              <a:t>在</a:t>
-            </a:r>
-            <a:r>
-              <a:rPr lang="zh-TW" altLang="en-US" sz="6400" b="1" dirty="0">
-                <a:solidFill>
-                  <a:srgbClr val="660033"/>
-                </a:solidFill>
-                <a:latin typeface="微軟正黑體" pitchFamily="34" charset="-120"/>
-                <a:ea typeface="微軟正黑體" pitchFamily="34" charset="-120"/>
-              </a:rPr>
-              <a:t>祢</a:t>
-            </a:r>
-            <a:r>
-              <a:rPr lang="zh-TW" altLang="en-US" sz="6400" b="1" dirty="0">
-                <a:solidFill>
-                  <a:srgbClr val="660033"/>
-                </a:solidFill>
-                <a:latin typeface="微軟正黑體" pitchFamily="34" charset="-120"/>
-                <a:ea typeface="微軟正黑體" pitchFamily="34" charset="-120"/>
-              </a:rPr>
-              <a:t>的</a:t>
-            </a:r>
-            <a:r>
-              <a:rPr lang="zh-TW" altLang="en-US" sz="6400" b="1" dirty="0">
-                <a:solidFill>
-                  <a:srgbClr val="660033"/>
-                </a:solidFill>
-                <a:latin typeface="微軟正黑體" pitchFamily="34" charset="-120"/>
-                <a:ea typeface="微軟正黑體" pitchFamily="34" charset="-120"/>
-              </a:rPr>
-              <a:t>應許中</a:t>
+              <a:t>站在祢的應許中</a:t>
             </a:r>
             <a:endParaRPr lang="en-US" altLang="zh-TW" sz="6400" b="1" dirty="0">
               <a:solidFill>
@@ -9561,47 +9307,7 @@
                 <a:latin typeface="微軟正黑體" pitchFamily="34" charset="-120"/>
                 <a:ea typeface="微軟正黑體" pitchFamily="34" charset="-120"/>
               </a:rPr>
-              <a:t>宣</a:t>
-            </a:r>
-            <a:r>
-              <a:rPr lang="zh-TW" altLang="en-US" sz="6400" b="1" dirty="0">
-                <a:solidFill>
-                  <a:srgbClr val="660033"/>
-                </a:solidFill>
-                <a:latin typeface="微軟正黑體" pitchFamily="34" charset="-120"/>
-                <a:ea typeface="微軟正黑體" pitchFamily="34" charset="-120"/>
-              </a:rPr>
-              <a:t>告</a:t>
-            </a:r>
-            <a:r>
-              <a:rPr lang="zh-TW" altLang="en-US" sz="6400" b="1" dirty="0">
-                <a:solidFill>
-                  <a:srgbClr val="660033"/>
-                </a:solidFill>
-                <a:latin typeface="微軟正黑體" pitchFamily="34" charset="-120"/>
-                <a:ea typeface="微軟正黑體" pitchFamily="34" charset="-120"/>
-              </a:rPr>
-              <a:t>祢</a:t>
-            </a:r>
-            <a:r>
-              <a:rPr lang="zh-TW" altLang="en-US" sz="6400" b="1" dirty="0">
-                <a:solidFill>
-                  <a:srgbClr val="660033"/>
-                </a:solidFill>
-                <a:latin typeface="微軟正黑體" pitchFamily="34" charset="-120"/>
-                <a:ea typeface="微軟正黑體" pitchFamily="34" charset="-120"/>
-              </a:rPr>
-              <a:t>國</a:t>
-            </a:r>
-            <a:r>
-              <a:rPr lang="zh-TW" altLang="en-US" sz="6400" b="1" dirty="0">
-                <a:solidFill>
-                  <a:srgbClr val="660033"/>
-                </a:solidFill>
-                <a:latin typeface="微軟正黑體" pitchFamily="34" charset="-120"/>
-                <a:ea typeface="微軟正黑體" pitchFamily="34" charset="-120"/>
-              </a:rPr>
-              <a:t>度降臨</a:t>
+              <a:t>宣告祢國度降臨</a:t>
             </a:r>
           </a:p>
         </p:txBody>
@@ -9681,13 +9387,20 @@
     </p:spTree>
     <p:extLst>
       <p:ext uri="{BB962C8B-B14F-4D97-AF65-F5344CB8AC3E}">
-        <p14:creationId xmlns:p14="http://schemas.microsoft.com/office/powerpoint/2010/main" val="3349911447"/>
+        <p14:creationId xmlns:p14="http://schemas.microsoft.com/office/powerpoint/2010/main" xmlns="" val="3349911447"/>
       </p:ext>
     </p:extLst>
   </p:cSld>
   <p:clrMapOvr>
     <a:masterClrMapping/>
   </p:clrMapOvr>
+  <p:timing>
+    <p:tnLst>
+      <p:par>
+        <p:cTn id="1" dur="indefinite" restart="never" nodeType="tmRoot"/>
+      </p:par>
+    </p:tnLst>
+  </p:timing>
 </p:sld>
 </file>
 
@@ -9770,13 +9483,20 @@
     </p:spTree>
     <p:extLst>
       <p:ext uri="{BB962C8B-B14F-4D97-AF65-F5344CB8AC3E}">
-        <p14:creationId xmlns:p14="http://schemas.microsoft.com/office/powerpoint/2010/main" val="1812806445"/>
+        <p14:creationId xmlns:p14="http://schemas.microsoft.com/office/powerpoint/2010/main" xmlns="" val="1812806445"/>
       </p:ext>
     </p:extLst>
   </p:cSld>
   <p:clrMapOvr>
     <a:masterClrMapping/>
   </p:clrMapOvr>
+  <p:timing>
+    <p:tnLst>
+      <p:par>
+        <p:cTn id="1" dur="indefinite" restart="never" nodeType="tmRoot"/>
+      </p:par>
+    </p:tnLst>
+  </p:timing>
 </p:sld>
 </file>
 
@@ -9959,13 +9679,20 @@
     </p:spTree>
     <p:extLst>
       <p:ext uri="{BB962C8B-B14F-4D97-AF65-F5344CB8AC3E}">
-        <p14:creationId xmlns:p14="http://schemas.microsoft.com/office/powerpoint/2010/main" val="2021031886"/>
+        <p14:creationId xmlns:p14="http://schemas.microsoft.com/office/powerpoint/2010/main" xmlns="" val="2021031886"/>
       </p:ext>
     </p:extLst>
   </p:cSld>
   <p:clrMapOvr>
     <a:masterClrMapping/>
   </p:clrMapOvr>
+  <p:timing>
+    <p:tnLst>
+      <p:par>
+        <p:cTn id="1" dur="indefinite" restart="never" nodeType="tmRoot"/>
+      </p:par>
+    </p:tnLst>
+  </p:timing>
 </p:sld>
 </file>
 
@@ -10251,7 +9978,7 @@
   <a:extraClrSchemeLst/>
   <a:extLst>
     <a:ext uri="{05A4C25C-085E-4340-85A3-A5531E510DB2}">
-      <thm15:themeFamily xmlns:thm15="http://schemas.microsoft.com/office/thememl/2012/main" name="Theme1" id="{06574901-70CA-473D-9275-6381E2A9A2A1}" vid="{7999D158-290D-4471-838F-E08D15FFEA35}"/>
+      <thm15:themeFamily xmlns:thm15="http://schemas.microsoft.com/office/thememl/2012/main" xmlns="" name="Theme1" id="{06574901-70CA-473D-9275-6381E2A9A2A1}" vid="{7999D158-290D-4471-838F-E08D15FFEA35}"/>
     </a:ext>
   </a:extLst>
 </a:theme>
